--- a/presentations/Session_7_SC_Discovery_LB.pptx
+++ b/presentations/Session_7_SC_Discovery_LB.pptx
@@ -231,7 +231,7 @@
           <a:p>
             <a:fld id="{372E5B6B-8713-8747-AE5B-F1241B2BF5F0}" type="datetimeFigureOut">
               <a:rPr lang="en-US" smtClean="0"/>
-              <a:t>5/3/16</a:t>
+              <a:t>5/17/16</a:t>
             </a:fld>
             <a:endParaRPr lang="en-US"/>
           </a:p>
@@ -397,7 +397,7 @@
           <a:p>
             <a:fld id="{7E7B7340-DDD5-1B49-81AA-25BC4050C073}" type="datetimeFigureOut">
               <a:rPr lang="en-US" smtClean="0"/>
-              <a:t>5/3/16</a:t>
+              <a:t>5/17/16</a:t>
             </a:fld>
             <a:endParaRPr lang="en-US"/>
           </a:p>
@@ -8965,22 +8965,28 @@
       </p:sp>
       <p:pic>
         <p:nvPicPr>
-          <p:cNvPr id="7" name="Picture 6"/>
+          <p:cNvPr id="9" name="Picture 8" descr="att_logo.png"/>
           <p:cNvPicPr>
             <a:picLocks noChangeAspect="1"/>
           </p:cNvPicPr>
           <p:nvPr/>
         </p:nvPicPr>
         <p:blipFill>
-          <a:blip r:embed="rId5"/>
+          <a:blip r:embed="rId5">
+            <a:extLst>
+              <a:ext uri="{28A0092B-C50C-407E-A947-70E740481C1C}">
+                <a14:useLocalDpi xmlns:a14="http://schemas.microsoft.com/office/drawing/2010/main" val="0"/>
+              </a:ext>
+            </a:extLst>
+          </a:blip>
           <a:stretch>
             <a:fillRect/>
           </a:stretch>
         </p:blipFill>
         <p:spPr>
           <a:xfrm>
-            <a:off x="8196204" y="1558"/>
-            <a:ext cx="947796" cy="947796"/>
+            <a:off x="8027486" y="104943"/>
+            <a:ext cx="986117" cy="977900"/>
           </a:xfrm>
           <a:prstGeom prst="rect">
             <a:avLst/>
@@ -14113,21 +14119,8 @@
                   <a:srgbClr val="FFFFFF"/>
                 </a:solidFill>
               </a:rPr>
-              <a:t>Security-optimized Eureka service </a:t>
-            </a:r>
-            <a:r>
-              <a:rPr lang="en-US" dirty="0" smtClean="0">
-                <a:solidFill>
-                  <a:srgbClr val="FFFFFF"/>
-                </a:solidFill>
-              </a:rPr>
-              <a:t>instance using Oauth2</a:t>
-            </a:r>
-            <a:endParaRPr lang="en-US" dirty="0" smtClean="0">
-              <a:solidFill>
-                <a:srgbClr val="FFFFFF"/>
-              </a:solidFill>
-            </a:endParaRPr>
+              <a:t>Security-optimized Eureka service instance using Oauth2</a:t>
+            </a:r>
           </a:p>
           <a:p>
             <a:pPr marL="285750" lvl="0" indent="-285750" fontAlgn="base">
@@ -14151,15 +14144,7 @@
                   <a:srgbClr val="FFFFFF"/>
                 </a:solidFill>
               </a:rPr>
-              <a:t>Bind into CF client application(s</a:t>
-            </a:r>
-            <a:r>
-              <a:rPr lang="en-US" dirty="0" smtClean="0">
-                <a:solidFill>
-                  <a:srgbClr val="FFFFFF"/>
-                </a:solidFill>
-              </a:rPr>
-              <a:t>)</a:t>
+              <a:t>Bind into CF client application(s)</a:t>
             </a:r>
           </a:p>
           <a:p>
